--- a/pertemuan_9/Pertemuan_9.pptx
+++ b/pertemuan_9/Pertemuan_9.pptx
@@ -5882,7 +5882,7 @@
             </a:r>
             <a:r>
               <a:rPr lang="id-ID" altLang="en-US" sz="2000">
-                <a:hlinkClick r:id="rId1" tooltip="" action="ppaction://hlinkfile"/>
+                <a:hlinkClick r:id="rId1" action="ppaction://hlinkfile"/>
               </a:rPr>
               <a:t>Wikipedia</a:t>
             </a:r>
@@ -6013,7 +6013,7 @@
             </a:r>
             <a:r>
               <a:rPr lang="en-US">
-                <a:hlinkClick r:id="rId2" tooltip="" action="ppaction://hlinkfile"/>
+                <a:hlinkClick r:id="rId2" action="ppaction://hlinkfile"/>
               </a:rPr>
               <a:t>https://medium.com/pujanggateknologi/berkenalan-dengan-teknologi-mqtt-7e63cab9d00d</a:t>
             </a:r>
@@ -6900,7 +6900,7 @@
             </a:pPr>
             <a:r>
               <a:rPr lang="id-ID" altLang="en-US">
-                <a:hlinkClick r:id="rId1" tooltip="" action="ppaction://hlinkfile"/>
+                <a:hlinkClick r:id="rId1" action="ppaction://hlinkfile"/>
               </a:rPr>
               <a:t>https://flask-mqtt.readthedocs.io/en/latest/</a:t>
             </a:r>
@@ -11039,13 +11039,13 @@
             <a:r>
               <a:rPr lang="id-ID" altLang="en-US" sz="2000">
                 <a:sym typeface="+mn-ea"/>
-                <a:hlinkClick r:id="rId1" tooltip="" action="ppaction://hlinkfile"/>
+                <a:hlinkClick r:id="rId1" action="ppaction://hlinkfile"/>
               </a:rPr>
               <a:t>https://www.apachefriends.org/download.html</a:t>
             </a:r>
             <a:endParaRPr lang="id-ID" altLang="en-US" sz="2000">
               <a:sym typeface="+mn-ea"/>
-              <a:hlinkClick r:id="rId1" tooltip="" action="ppaction://hlinkfile"/>
+              <a:hlinkClick r:id="rId1" action="ppaction://hlinkfile"/>
             </a:endParaRPr>
           </a:p>
           <a:p>
@@ -12783,18 +12783,18 @@
             </a:r>
             <a:r>
               <a:rPr lang="id-ID" altLang="en-US" sz="2000">
-                <a:hlinkClick r:id="rId1" tooltip="" action="ppaction://hlinkfile"/>
+                <a:hlinkClick r:id="rId1" action="ppaction://hlinkfile"/>
               </a:rPr>
               <a:t> </a:t>
             </a:r>
             <a:r>
               <a:rPr lang="en-US" sz="2000">
-                <a:hlinkClick r:id="rId1" tooltip="" action="ppaction://hlinkfile"/>
+                <a:hlinkClick r:id="rId1" action="ppaction://hlinkfile"/>
               </a:rPr>
               <a:t>https://yunusmuhammad007.medium.com/mudah-membuat-vps-di-aws-cloud-f1d9c0071fdf</a:t>
             </a:r>
             <a:endParaRPr lang="en-US" sz="2000">
-              <a:hlinkClick r:id="rId1" tooltip="" action="ppaction://hlinkfile"/>
+              <a:hlinkClick r:id="rId1" action="ppaction://hlinkfile"/>
             </a:endParaRPr>
           </a:p>
           <a:p>
@@ -13050,7 +13050,7 @@
             <a:r>
               <a:rPr lang="id-ID" altLang="en-US">
                 <a:sym typeface="+mn-ea"/>
-                <a:hlinkClick r:id="rId2" tooltip="" action="ppaction://hlinkfile"/>
+                <a:hlinkClick r:id="rId2" action="ppaction://hlinkfile"/>
               </a:rPr>
               <a:t>https://console.aws.amazon.com/ec2/</a:t>
             </a:r>
@@ -13147,12 +13147,12 @@
             <a:pPr algn="r"/>
             <a:r>
               <a:rPr lang="en-US" sz="1600">
-                <a:hlinkClick r:id="rId3" tooltip="" action="ppaction://hlinkfile"/>
+                <a:hlinkClick r:id="rId3" action="ppaction://hlinkfile"/>
               </a:rPr>
               <a:t>https://docs.aws.amazon.com/AWSEC2/latest/UserGuide/elastic-ip-addresses-eip.html</a:t>
             </a:r>
             <a:endParaRPr lang="en-US" sz="1600">
-              <a:hlinkClick r:id="rId3" tooltip="" action="ppaction://hlinkfile"/>
+              <a:hlinkClick r:id="rId3" action="ppaction://hlinkfile"/>
             </a:endParaRPr>
           </a:p>
         </p:txBody>
@@ -13607,7 +13607,7 @@
             </a:r>
             <a:r>
               <a:rPr lang="en-US">
-                <a:hlinkClick r:id="rId1" tooltip="" action="ppaction://hlinkfile"/>
+                <a:hlinkClick r:id="rId1" action="ppaction://hlinkfile"/>
               </a:rPr>
               <a:t>https://console.aws.amazon.com/ec2/</a:t>
             </a:r>
@@ -14556,12 +14556,12 @@
             <a:pPr marL="285750" indent="-285750"/>
             <a:r>
               <a:rPr lang="en-US">
-                <a:hlinkClick r:id="rId1" tooltip="" action="ppaction://hlinkfile"/>
+                <a:hlinkClick r:id="rId1" action="ppaction://hlinkfile"/>
               </a:rPr>
               <a:t>https://github.com/Muhammad-Yunus/Simple-IOT-Server</a:t>
             </a:r>
             <a:endParaRPr lang="en-US">
-              <a:hlinkClick r:id="rId1" tooltip="" action="ppaction://hlinkfile"/>
+              <a:hlinkClick r:id="rId1" action="ppaction://hlinkfile"/>
             </a:endParaRPr>
           </a:p>
           <a:p>
@@ -14595,7 +14595,7 @@
                   <a:srgbClr val="C0C0C0"/>
                 </a:highlight>
                 <a:sym typeface="+mn-ea"/>
-                <a:hlinkClick r:id="rId2" action="ppaction://hlinkfile"/>
+                <a:hlinkClick r:id="rId1" action="ppaction://hlinkfile"/>
               </a:rPr>
               <a:t>https://github.com/Muhammad-Yunus/Simple-IOT-Server</a:t>
             </a:r>
@@ -14604,7 +14604,7 @@
                 <a:srgbClr val="C0C0C0"/>
               </a:highlight>
               <a:sym typeface="+mn-ea"/>
-              <a:hlinkClick r:id="rId2" action="ppaction://hlinkfile"/>
+              <a:hlinkClick r:id="rId1" action="ppaction://hlinkfile"/>
             </a:endParaRPr>
           </a:p>
         </p:txBody>
@@ -18676,7 +18676,7 @@
             <a:r>
               <a:rPr lang="id-ID" altLang="en-US" sz="2400">
                 <a:sym typeface="+mn-ea"/>
-                <a:hlinkClick r:id="rId1" tooltip="" action="ppaction://hlinkfile"/>
+                <a:hlinkClick r:id="rId1" action="ppaction://hlinkfile"/>
               </a:rPr>
               <a:t>https://gunicorn.org/</a:t>
             </a:r>
@@ -20077,7 +20077,7 @@
             </a:r>
             <a:r>
               <a:rPr lang="id-ID" altLang="en-US" sz="2400">
-                <a:hlinkClick r:id="rId1" tooltip="" action="ppaction://hlinkfile"/>
+                <a:hlinkClick r:id="rId1" action="ppaction://hlinkfile"/>
               </a:rPr>
               <a:t>Wikipedia</a:t>
             </a:r>
@@ -22587,7 +22587,7 @@
             <a:r>
               <a:rPr lang="id-ID" sz="2000">
                 <a:sym typeface="+mn-ea"/>
-                <a:hlinkClick r:id="rId1" tooltip="" action="ppaction://hlinkfile"/>
+                <a:hlinkClick r:id="rId1" action="ppaction://hlinkfile"/>
               </a:rPr>
               <a:t>https://www.niagahoster.co.id/kb/cara-menghubungkan-domain-ke-vps#menghubungkan-domain-ke-vps-dengan-a-record</a:t>
             </a:r>
@@ -22990,7 +22990,7 @@
             </a:r>
             <a:r>
               <a:rPr lang="id-ID" altLang="en-US" sz="2000">
-                <a:hlinkClick r:id="rId1" tooltip="" action="ppaction://hlinkfile"/>
+                <a:hlinkClick r:id="rId1" action="ppaction://hlinkfile"/>
               </a:rPr>
               <a:t>source</a:t>
             </a:r>
@@ -23018,7 +23018,7 @@
             </a:r>
             <a:r>
               <a:rPr lang="id-ID" altLang="en-US" sz="2000">
-                <a:hlinkClick r:id="rId2" tooltip="" action="ppaction://hlinkfile"/>
+                <a:hlinkClick r:id="rId2" action="ppaction://hlinkfile"/>
               </a:rPr>
               <a:t>https://dnschecker.org/</a:t>
             </a:r>
@@ -23165,7 +23165,7 @@
         <p:spPr>
           <a:xfrm>
             <a:off x="576580" y="1273175"/>
-            <a:ext cx="11216005" cy="1014730"/>
+            <a:ext cx="11216005" cy="3476625"/>
           </a:xfrm>
           <a:prstGeom prst="rect">
             <a:avLst/>
@@ -23278,14 +23278,142 @@
             <a:r>
               <a:rPr lang="id-ID" altLang="en-US" sz="2000">
                 <a:solidFill>
-                  <a:srgbClr val="FF0000"/>
+                  <a:schemeClr val="tx1"/>
                 </a:solidFill>
               </a:rPr>
               <a:t>.</a:t>
             </a:r>
             <a:endParaRPr lang="id-ID" altLang="en-US" sz="2000">
               <a:solidFill>
-                <a:srgbClr val="FF0000"/>
+                <a:schemeClr val="tx1"/>
+              </a:solidFill>
+            </a:endParaRPr>
+          </a:p>
+          <a:p>
+            <a:pPr marL="285750" indent="-285750">
+              <a:buFont typeface="Arial" panose="020B0604020202020204" pitchFamily="34" charset="0"/>
+              <a:buChar char="•"/>
+            </a:pPr>
+            <a:endParaRPr lang="id-ID" altLang="en-US" sz="2000">
+              <a:solidFill>
+                <a:schemeClr val="tx1"/>
+              </a:solidFill>
+            </a:endParaRPr>
+          </a:p>
+          <a:p>
+            <a:pPr marL="285750" indent="-285750">
+              <a:buFont typeface="Arial" panose="020B0604020202020204" pitchFamily="34" charset="0"/>
+              <a:buChar char="•"/>
+            </a:pPr>
+            <a:endParaRPr lang="id-ID" altLang="en-US" sz="2000">
+              <a:solidFill>
+                <a:schemeClr val="tx1"/>
+              </a:solidFill>
+            </a:endParaRPr>
+          </a:p>
+          <a:p>
+            <a:pPr marL="285750" indent="-285750">
+              <a:buFont typeface="Arial" panose="020B0604020202020204" pitchFamily="34" charset="0"/>
+              <a:buChar char="•"/>
+            </a:pPr>
+            <a:endParaRPr lang="id-ID" altLang="en-US" sz="2000">
+              <a:solidFill>
+                <a:schemeClr val="tx1"/>
+              </a:solidFill>
+            </a:endParaRPr>
+          </a:p>
+          <a:p>
+            <a:pPr marL="285750" indent="-285750">
+              <a:buFont typeface="Arial" panose="020B0604020202020204" pitchFamily="34" charset="0"/>
+              <a:buChar char="•"/>
+            </a:pPr>
+            <a:endParaRPr lang="id-ID" altLang="en-US" sz="2000">
+              <a:solidFill>
+                <a:schemeClr val="tx1"/>
+              </a:solidFill>
+            </a:endParaRPr>
+          </a:p>
+          <a:p>
+            <a:pPr marL="285750" indent="-285750">
+              <a:buFont typeface="Arial" panose="020B0604020202020204" pitchFamily="34" charset="0"/>
+              <a:buChar char="•"/>
+            </a:pPr>
+            <a:endParaRPr lang="id-ID" altLang="en-US" sz="2000">
+              <a:solidFill>
+                <a:schemeClr val="tx1"/>
+              </a:solidFill>
+            </a:endParaRPr>
+          </a:p>
+          <a:p>
+            <a:pPr marL="285750" indent="-285750">
+              <a:buFont typeface="Arial" panose="020B0604020202020204" pitchFamily="34" charset="0"/>
+              <a:buChar char="•"/>
+            </a:pPr>
+            <a:endParaRPr lang="id-ID" altLang="en-US" sz="2000">
+              <a:solidFill>
+                <a:schemeClr val="tx1"/>
+              </a:solidFill>
+            </a:endParaRPr>
+          </a:p>
+          <a:p>
+            <a:pPr marL="285750" indent="-285750">
+              <a:buFont typeface="Arial" panose="020B0604020202020204" pitchFamily="34" charset="0"/>
+              <a:buChar char="•"/>
+            </a:pPr>
+            <a:endParaRPr lang="id-ID" altLang="en-US" sz="2000">
+              <a:solidFill>
+                <a:schemeClr val="tx1"/>
+              </a:solidFill>
+            </a:endParaRPr>
+          </a:p>
+          <a:p>
+            <a:pPr marL="285750" indent="-285750">
+              <a:buFont typeface="Arial" panose="020B0604020202020204" pitchFamily="34" charset="0"/>
+              <a:buChar char="•"/>
+            </a:pPr>
+            <a:r>
+              <a:rPr lang="id-ID" altLang="en-US" sz="2000">
+                <a:solidFill>
+                  <a:schemeClr val="tx1"/>
+                </a:solidFill>
+              </a:rPr>
+              <a:t>Then also add Inbound and Outbound </a:t>
+            </a:r>
+            <a:r>
+              <a:rPr lang="id-ID" altLang="en-US" sz="2000">
+                <a:solidFill>
+                  <a:srgbClr val="FF0000"/>
+                </a:solidFill>
+              </a:rPr>
+              <a:t>HTTPS </a:t>
+            </a:r>
+            <a:r>
+              <a:rPr lang="id-ID" altLang="en-US" sz="2000">
+                <a:solidFill>
+                  <a:schemeClr val="tx1"/>
+                </a:solidFill>
+              </a:rPr>
+              <a:t>in Port </a:t>
+            </a:r>
+            <a:r>
+              <a:rPr lang="id-ID" altLang="en-US" sz="2000">
+                <a:solidFill>
+                  <a:srgbClr val="FF0000"/>
+                </a:solidFill>
+              </a:rPr>
+              <a:t>443</a:t>
+            </a:r>
+            <a:r>
+              <a:rPr lang="id-ID" altLang="en-US" sz="2000">
+                <a:solidFill>
+                  <a:schemeClr val="tx1"/>
+                </a:solidFill>
+              </a:rPr>
+              <a:t>, since in the next part we need it.</a:t>
+            </a:r>
+            <a:endParaRPr lang="id-ID" altLang="en-US" sz="2000">
+              <a:solidFill>
+                <a:schemeClr val="tx1"/>
               </a:solidFill>
             </a:endParaRPr>
           </a:p>
@@ -23319,6 +23447,35 @@
                 <a:lumMod val="50000"/>
                 <a:lumOff val="50000"/>
               </a:schemeClr>
+            </a:solidFill>
+          </a:ln>
+        </p:spPr>
+      </p:pic>
+      <p:pic>
+        <p:nvPicPr>
+          <p:cNvPr id="2" name="Picture 1"/>
+          <p:cNvPicPr>
+            <a:picLocks noChangeAspect="1"/>
+          </p:cNvPicPr>
+          <p:nvPr/>
+        </p:nvPicPr>
+        <p:blipFill>
+          <a:blip r:embed="rId2"/>
+          <a:stretch>
+            <a:fillRect/>
+          </a:stretch>
+        </p:blipFill>
+        <p:spPr>
+          <a:xfrm>
+            <a:off x="200025" y="4907915"/>
+            <a:ext cx="11811000" cy="1001395"/>
+          </a:xfrm>
+          <a:prstGeom prst="rect">
+            <a:avLst/>
+          </a:prstGeom>
+          <a:ln>
+            <a:solidFill>
+              <a:schemeClr val="accent1"/>
             </a:solidFill>
           </a:ln>
         </p:spPr>
@@ -24333,7 +24490,7 @@
             </a:r>
             <a:r>
               <a:rPr lang="en-US">
-                <a:hlinkClick r:id="rId1" tooltip="" action="ppaction://hlinkfile"/>
+                <a:hlinkClick r:id="rId1" action="ppaction://hlinkfile"/>
               </a:rPr>
               <a:t>https://www.digitalocean.com/community/tutorials/how-to-serve-flask-applications-with-gunicorn-and-nginx-on-ubuntu-18-04</a:t>
             </a:r>

--- a/pertemuan_9/Pertemuan_9.pptx
+++ b/pertemuan_9/Pertemuan_9.pptx
@@ -4903,7 +4903,7 @@
                 </a:solidFill>
                 <a:sym typeface="+mn-ea"/>
               </a:rPr>
-              <a:t>FilterDate.quick_range = True</a:t>
+              <a:t>FilterDate.quick_range = False</a:t>
             </a:r>
             <a:endParaRPr lang="id-ID" altLang="en-US" sz="2000">
               <a:solidFill>
@@ -10809,8 +10809,8 @@
         </p:blipFill>
         <p:spPr>
           <a:xfrm>
-            <a:off x="817245" y="2410460"/>
-            <a:ext cx="7366635" cy="1221740"/>
+            <a:off x="871220" y="2271395"/>
+            <a:ext cx="8767445" cy="1454150"/>
           </a:xfrm>
           <a:prstGeom prst="rect">
             <a:avLst/>
@@ -10825,7 +10825,7 @@
         </p:nvSpPr>
         <p:spPr>
           <a:xfrm>
-            <a:off x="1022350" y="3632200"/>
+            <a:off x="2477135" y="3725545"/>
             <a:ext cx="7161530" cy="306705"/>
           </a:xfrm>
           <a:prstGeom prst="rect">
@@ -11419,7 +11419,7 @@
                   <a:srgbClr val="FF0000"/>
                 </a:solidFill>
               </a:rPr>
-              <a:t>sudo mysql -u root -p</a:t>
+              <a:t>mysql -u root -p</a:t>
             </a:r>
             <a:endParaRPr lang="en-US"/>
           </a:p>
@@ -13305,7 +13305,7 @@
         <p:spPr>
           <a:xfrm>
             <a:off x="726440" y="2032635"/>
-            <a:ext cx="5206365" cy="368300"/>
+            <a:ext cx="4233545" cy="368300"/>
           </a:xfrm>
           <a:prstGeom prst="rect">
             <a:avLst/>
@@ -13334,7 +13334,7 @@
                 </a:solidFill>
                 <a:sym typeface="+mn-ea"/>
               </a:rPr>
-              <a:t>Create Accelerator</a:t>
+              <a:t>Allocate</a:t>
             </a:r>
             <a:r>
               <a:rPr lang="id-ID" altLang="en-US">
@@ -13383,60 +13383,6 @@
           </a:ln>
         </p:spPr>
       </p:pic>
-      <p:sp>
-        <p:nvSpPr>
-          <p:cNvPr id="11" name="Rectangles 10"/>
-          <p:cNvSpPr/>
-          <p:nvPr/>
-        </p:nvSpPr>
-        <p:spPr>
-          <a:xfrm>
-            <a:off x="1073150" y="5753735"/>
-            <a:ext cx="1747520" cy="389890"/>
-          </a:xfrm>
-          <a:prstGeom prst="rect">
-            <a:avLst/>
-          </a:prstGeom>
-          <a:noFill/>
-          <a:ln w="38100">
-            <a:solidFill>
-              <a:srgbClr val="FF0000"/>
-            </a:solidFill>
-          </a:ln>
-          <a:extLst>
-            <a:ext uri="{909E8E84-426E-40DD-AFC4-6F175D3DCCD1}">
-              <a14:hiddenFill xmlns:a14="http://schemas.microsoft.com/office/drawing/2010/main">
-                <a:solidFill>
-                  <a:schemeClr val="accent1"/>
-                </a:solidFill>
-              </a14:hiddenFill>
-            </a:ext>
-          </a:extLst>
-        </p:spPr>
-        <p:style>
-          <a:lnRef idx="2">
-            <a:schemeClr val="accent1">
-              <a:shade val="50000"/>
-            </a:schemeClr>
-          </a:lnRef>
-          <a:fillRef idx="1">
-            <a:schemeClr val="accent1"/>
-          </a:fillRef>
-          <a:effectRef idx="0">
-            <a:schemeClr val="accent1"/>
-          </a:effectRef>
-          <a:fontRef idx="minor">
-            <a:schemeClr val="lt1"/>
-          </a:fontRef>
-        </p:style>
-        <p:txBody>
-          <a:bodyPr rtlCol="0" anchor="ctr"/>
-          <a:p>
-            <a:pPr algn="ctr"/>
-            <a:endParaRPr lang="en-US"/>
-          </a:p>
-        </p:txBody>
-      </p:sp>
       <p:sp>
         <p:nvSpPr>
           <p:cNvPr id="10" name="Text Box 9"/>
@@ -14252,9 +14198,21 @@
               <a:rPr lang="id-ID" altLang="en-US">
                 <a:sym typeface="+mn-ea"/>
               </a:rPr>
-              <a:t>Then select Remote-SSH: Open SSH Configuration File...</a:t>
+              <a:t>Then select </a:t>
+            </a:r>
+            <a:r>
+              <a:rPr lang="id-ID" altLang="en-US">
+                <a:solidFill>
+                  <a:srgbClr val="FF0000"/>
+                </a:solidFill>
+                <a:sym typeface="+mn-ea"/>
+              </a:rPr>
+              <a:t>Remote-SSH: Open SSH Configuration File...</a:t>
             </a:r>
             <a:endParaRPr lang="id-ID" altLang="en-US">
+              <a:solidFill>
+                <a:srgbClr val="FF0000"/>
+              </a:solidFill>
               <a:sym typeface="+mn-ea"/>
             </a:endParaRPr>
           </a:p>
@@ -17390,7 +17348,22 @@
               <a:rPr lang="id-ID" altLang="en-US" sz="2000">
                 <a:sym typeface="+mn-ea"/>
               </a:rPr>
-              <a:t>Since in EC2 instance by default only open PORT 22 to public, we need to add Rule for another PORT like in 5000 used in our Flask App in AWS Services called with </a:t>
+              <a:t>Since in EC2 instance by default only open </a:t>
+            </a:r>
+            <a:r>
+              <a:rPr lang="id-ID" altLang="en-US" sz="2000">
+                <a:solidFill>
+                  <a:srgbClr val="FF0000"/>
+                </a:solidFill>
+                <a:sym typeface="+mn-ea"/>
+              </a:rPr>
+              <a:t>PORT 22</a:t>
+            </a:r>
+            <a:r>
+              <a:rPr lang="id-ID" altLang="en-US" sz="2000">
+                <a:sym typeface="+mn-ea"/>
+              </a:rPr>
+              <a:t> to public, we need to add Rule for another PORT like in 5000 used in our Flask App in AWS Services called with </a:t>
             </a:r>
             <a:r>
               <a:rPr lang="id-ID" altLang="en-US" sz="2000">
@@ -24601,7 +24574,7 @@
         </p:blipFill>
         <p:spPr>
           <a:xfrm>
-            <a:off x="817880" y="2466975"/>
+            <a:off x="957580" y="2466975"/>
             <a:ext cx="8418830" cy="3295015"/>
           </a:xfrm>
           <a:prstGeom prst="rect">

--- a/pertemuan_9/Pertemuan_9.pptx
+++ b/pertemuan_9/Pertemuan_9.pptx
@@ -20368,7 +20368,7 @@
         <p:spPr>
           <a:xfrm>
             <a:off x="831850" y="3442335"/>
-            <a:ext cx="2346960" cy="368300"/>
+            <a:ext cx="2374265" cy="368300"/>
           </a:xfrm>
           <a:prstGeom prst="rect">
             <a:avLst/>
@@ -20384,9 +20384,17 @@
               <a:rPr lang="id-ID" altLang="en-US">
                 <a:sym typeface="+mn-ea"/>
               </a:rPr>
-              <a:t>NGINX as Loadbalancer</a:t>
-            </a:r>
-            <a:endParaRPr lang="en-US"/>
+              <a:t>NGINX as </a:t>
+            </a:r>
+            <a:r>
+              <a:rPr lang="id-ID" altLang="en-US" b="1">
+                <a:sym typeface="+mn-ea"/>
+              </a:rPr>
+              <a:t>Loadbalancer</a:t>
+            </a:r>
+            <a:endParaRPr lang="id-ID" altLang="en-US" b="1">
+              <a:sym typeface="+mn-ea"/>
+            </a:endParaRPr>
           </a:p>
         </p:txBody>
       </p:sp>
@@ -24455,7 +24463,7 @@
             </a:pPr>
             <a:r>
               <a:rPr lang="id-ID" altLang="en-US" sz="2400"/>
-              <a:t>All the deployment step is inspired to this tutorial :</a:t>
+              <a:t>All the deployment step is inspired from this tutorial :</a:t>
             </a:r>
             <a:r>
               <a:rPr lang="id-ID" altLang="en-US"/>
